--- a/docs/assets.pptx
+++ b/docs/assets.pptx
@@ -6,6 +6,7 @@
   </p:sldMasterIdLst>
   <p:sldIdLst>
     <p:sldId id="256" r:id="rId2"/>
+    <p:sldId id="257" r:id="rId3"/>
   </p:sldIdLst>
   <p:sldSz cx="12192000" cy="6858000"/>
   <p:notesSz cx="6858000" cy="9144000"/>
@@ -104,6 +105,11 @@
       </a:defRPr>
     </a:lvl9pPr>
   </p:defaultTextStyle>
+  <p:extLst>
+    <p:ext uri="{EFAFB233-063F-42B5-8137-9DF3F51BA10A}">
+      <p15:sldGuideLst xmlns:p15="http://schemas.microsoft.com/office/powerpoint/2012/main"/>
+    </p:ext>
+  </p:extLst>
 </p:presentation>
 </file>
 
@@ -254,7 +260,7 @@
           <a:p>
             <a:fld id="{D9749BF0-7554-4BEA-AC3C-9CEB904998E3}" type="datetimeFigureOut">
               <a:rPr kumimoji="1" lang="ja-JP" altLang="en-US" smtClean="0"/>
-              <a:t>2021/9/3</a:t>
+              <a:t>2024/9/3</a:t>
             </a:fld>
             <a:endParaRPr kumimoji="1" lang="ja-JP" altLang="en-US"/>
           </a:p>
@@ -484,7 +490,7 @@
           <a:p>
             <a:fld id="{D9749BF0-7554-4BEA-AC3C-9CEB904998E3}" type="datetimeFigureOut">
               <a:rPr kumimoji="1" lang="ja-JP" altLang="en-US" smtClean="0"/>
-              <a:t>2021/9/3</a:t>
+              <a:t>2024/9/3</a:t>
             </a:fld>
             <a:endParaRPr kumimoji="1" lang="ja-JP" altLang="en-US"/>
           </a:p>
@@ -724,7 +730,7 @@
           <a:p>
             <a:fld id="{D9749BF0-7554-4BEA-AC3C-9CEB904998E3}" type="datetimeFigureOut">
               <a:rPr kumimoji="1" lang="ja-JP" altLang="en-US" smtClean="0"/>
-              <a:t>2021/9/3</a:t>
+              <a:t>2024/9/3</a:t>
             </a:fld>
             <a:endParaRPr kumimoji="1" lang="ja-JP" altLang="en-US"/>
           </a:p>
@@ -954,7 +960,7 @@
           <a:p>
             <a:fld id="{D9749BF0-7554-4BEA-AC3C-9CEB904998E3}" type="datetimeFigureOut">
               <a:rPr kumimoji="1" lang="ja-JP" altLang="en-US" smtClean="0"/>
-              <a:t>2021/9/3</a:t>
+              <a:t>2024/9/3</a:t>
             </a:fld>
             <a:endParaRPr kumimoji="1" lang="ja-JP" altLang="en-US"/>
           </a:p>
@@ -1229,7 +1235,7 @@
           <a:p>
             <a:fld id="{D9749BF0-7554-4BEA-AC3C-9CEB904998E3}" type="datetimeFigureOut">
               <a:rPr kumimoji="1" lang="ja-JP" altLang="en-US" smtClean="0"/>
-              <a:t>2021/9/3</a:t>
+              <a:t>2024/9/3</a:t>
             </a:fld>
             <a:endParaRPr kumimoji="1" lang="ja-JP" altLang="en-US"/>
           </a:p>
@@ -1558,7 +1564,7 @@
           <a:p>
             <a:fld id="{D9749BF0-7554-4BEA-AC3C-9CEB904998E3}" type="datetimeFigureOut">
               <a:rPr kumimoji="1" lang="ja-JP" altLang="en-US" smtClean="0"/>
-              <a:t>2021/9/3</a:t>
+              <a:t>2024/9/3</a:t>
             </a:fld>
             <a:endParaRPr kumimoji="1" lang="ja-JP" altLang="en-US"/>
           </a:p>
@@ -2034,7 +2040,7 @@
           <a:p>
             <a:fld id="{D9749BF0-7554-4BEA-AC3C-9CEB904998E3}" type="datetimeFigureOut">
               <a:rPr kumimoji="1" lang="ja-JP" altLang="en-US" smtClean="0"/>
-              <a:t>2021/9/3</a:t>
+              <a:t>2024/9/3</a:t>
             </a:fld>
             <a:endParaRPr kumimoji="1" lang="ja-JP" altLang="en-US"/>
           </a:p>
@@ -2175,7 +2181,7 @@
           <a:p>
             <a:fld id="{D9749BF0-7554-4BEA-AC3C-9CEB904998E3}" type="datetimeFigureOut">
               <a:rPr kumimoji="1" lang="ja-JP" altLang="en-US" smtClean="0"/>
-              <a:t>2021/9/3</a:t>
+              <a:t>2024/9/3</a:t>
             </a:fld>
             <a:endParaRPr kumimoji="1" lang="ja-JP" altLang="en-US"/>
           </a:p>
@@ -2288,7 +2294,7 @@
           <a:p>
             <a:fld id="{D9749BF0-7554-4BEA-AC3C-9CEB904998E3}" type="datetimeFigureOut">
               <a:rPr kumimoji="1" lang="ja-JP" altLang="en-US" smtClean="0"/>
-              <a:t>2021/9/3</a:t>
+              <a:t>2024/9/3</a:t>
             </a:fld>
             <a:endParaRPr kumimoji="1" lang="ja-JP" altLang="en-US"/>
           </a:p>
@@ -2631,7 +2637,7 @@
           <a:p>
             <a:fld id="{D9749BF0-7554-4BEA-AC3C-9CEB904998E3}" type="datetimeFigureOut">
               <a:rPr kumimoji="1" lang="ja-JP" altLang="en-US" smtClean="0"/>
-              <a:t>2021/9/3</a:t>
+              <a:t>2024/9/3</a:t>
             </a:fld>
             <a:endParaRPr kumimoji="1" lang="ja-JP" altLang="en-US"/>
           </a:p>
@@ -2919,7 +2925,7 @@
           <a:p>
             <a:fld id="{D9749BF0-7554-4BEA-AC3C-9CEB904998E3}" type="datetimeFigureOut">
               <a:rPr kumimoji="1" lang="ja-JP" altLang="en-US" smtClean="0"/>
-              <a:t>2021/9/3</a:t>
+              <a:t>2024/9/3</a:t>
             </a:fld>
             <a:endParaRPr kumimoji="1" lang="ja-JP" altLang="en-US"/>
           </a:p>
@@ -3192,7 +3198,7 @@
           <a:p>
             <a:fld id="{D9749BF0-7554-4BEA-AC3C-9CEB904998E3}" type="datetimeFigureOut">
               <a:rPr kumimoji="1" lang="ja-JP" altLang="en-US" smtClean="0"/>
-              <a:t>2021/9/3</a:t>
+              <a:t>2024/9/3</a:t>
             </a:fld>
             <a:endParaRPr kumimoji="1" lang="ja-JP" altLang="en-US"/>
           </a:p>
@@ -3934,6 +3940,950 @@
 </p:sld>
 </file>
 
+<file path=ppt/slides/slide2.xml><?xml version="1.0" encoding="utf-8"?>
+<p:sld xmlns:a="http://schemas.openxmlformats.org/drawingml/2006/main" xmlns:r="http://schemas.openxmlformats.org/officeDocument/2006/relationships" xmlns:p="http://schemas.openxmlformats.org/presentationml/2006/main">
+  <p:cSld>
+    <p:spTree>
+      <p:nvGrpSpPr>
+        <p:cNvPr id="1" name=""/>
+        <p:cNvGrpSpPr/>
+        <p:nvPr/>
+      </p:nvGrpSpPr>
+      <p:grpSpPr>
+        <a:xfrm>
+          <a:off x="0" y="0"/>
+          <a:ext cx="0" cy="0"/>
+          <a:chOff x="0" y="0"/>
+          <a:chExt cx="0" cy="0"/>
+        </a:xfrm>
+      </p:grpSpPr>
+      <p:cxnSp>
+        <p:nvCxnSpPr>
+          <p:cNvPr id="31" name="直線矢印コネクタ 7">
+            <a:extLst>
+              <a:ext uri="{FF2B5EF4-FFF2-40B4-BE49-F238E27FC236}">
+                <a16:creationId xmlns:a16="http://schemas.microsoft.com/office/drawing/2014/main" id="{4C966568-1CA2-80D1-9A16-6A925B5FEA81}"/>
+              </a:ext>
+            </a:extLst>
+          </p:cNvPr>
+          <p:cNvCxnSpPr>
+            <a:cxnSpLocks/>
+            <a:stCxn id="3" idx="3"/>
+            <a:endCxn id="16" idx="1"/>
+          </p:cNvCxnSpPr>
+          <p:nvPr/>
+        </p:nvCxnSpPr>
+        <p:spPr>
+          <a:xfrm>
+            <a:off x="3059085" y="2412598"/>
+            <a:ext cx="2988618" cy="504307"/>
+          </a:xfrm>
+          <a:prstGeom prst="straightConnector1">
+            <a:avLst/>
+          </a:prstGeom>
+          <a:ln w="38100">
+            <a:prstDash val="sysDot"/>
+            <a:headEnd type="none"/>
+            <a:tailEnd type="triangle"/>
+          </a:ln>
+        </p:spPr>
+        <p:style>
+          <a:lnRef idx="1">
+            <a:schemeClr val="accent1"/>
+          </a:lnRef>
+          <a:fillRef idx="0">
+            <a:schemeClr val="accent1"/>
+          </a:fillRef>
+          <a:effectRef idx="0">
+            <a:schemeClr val="accent1"/>
+          </a:effectRef>
+          <a:fontRef idx="minor">
+            <a:schemeClr val="tx1"/>
+          </a:fontRef>
+        </p:style>
+      </p:cxnSp>
+      <p:cxnSp>
+        <p:nvCxnSpPr>
+          <p:cNvPr id="34" name="直線矢印コネクタ 7">
+            <a:extLst>
+              <a:ext uri="{FF2B5EF4-FFF2-40B4-BE49-F238E27FC236}">
+                <a16:creationId xmlns:a16="http://schemas.microsoft.com/office/drawing/2014/main" id="{52DC2E8F-5AA9-1001-7C03-87414F227312}"/>
+              </a:ext>
+            </a:extLst>
+          </p:cNvPr>
+          <p:cNvCxnSpPr>
+            <a:cxnSpLocks/>
+            <a:stCxn id="3" idx="3"/>
+            <a:endCxn id="17" idx="1"/>
+          </p:cNvCxnSpPr>
+          <p:nvPr/>
+        </p:nvCxnSpPr>
+        <p:spPr>
+          <a:xfrm>
+            <a:off x="3059085" y="2412598"/>
+            <a:ext cx="2988618" cy="1857258"/>
+          </a:xfrm>
+          <a:prstGeom prst="straightConnector1">
+            <a:avLst/>
+          </a:prstGeom>
+          <a:ln w="38100">
+            <a:prstDash val="sysDot"/>
+            <a:headEnd type="none"/>
+            <a:tailEnd type="triangle"/>
+          </a:ln>
+        </p:spPr>
+        <p:style>
+          <a:lnRef idx="1">
+            <a:schemeClr val="accent1"/>
+          </a:lnRef>
+          <a:fillRef idx="0">
+            <a:schemeClr val="accent1"/>
+          </a:fillRef>
+          <a:effectRef idx="0">
+            <a:schemeClr val="accent1"/>
+          </a:effectRef>
+          <a:fontRef idx="minor">
+            <a:schemeClr val="tx1"/>
+          </a:fontRef>
+        </p:style>
+      </p:cxnSp>
+      <p:sp>
+        <p:nvSpPr>
+          <p:cNvPr id="3" name="正方形/長方形 2">
+            <a:extLst>
+              <a:ext uri="{FF2B5EF4-FFF2-40B4-BE49-F238E27FC236}">
+                <a16:creationId xmlns:a16="http://schemas.microsoft.com/office/drawing/2014/main" id="{91E79944-BDA2-BF8D-FC85-729F68796934}"/>
+              </a:ext>
+            </a:extLst>
+          </p:cNvPr>
+          <p:cNvSpPr/>
+          <p:nvPr/>
+        </p:nvSpPr>
+        <p:spPr>
+          <a:xfrm>
+            <a:off x="1206136" y="2159122"/>
+            <a:ext cx="1852949" cy="506951"/>
+          </a:xfrm>
+          <a:prstGeom prst="rect">
+            <a:avLst/>
+          </a:prstGeom>
+          <a:solidFill>
+            <a:schemeClr val="accent2"/>
+          </a:solidFill>
+          <a:ln>
+            <a:noFill/>
+          </a:ln>
+        </p:spPr>
+        <p:style>
+          <a:lnRef idx="2">
+            <a:schemeClr val="accent1">
+              <a:shade val="50000"/>
+            </a:schemeClr>
+          </a:lnRef>
+          <a:fillRef idx="1">
+            <a:schemeClr val="accent1"/>
+          </a:fillRef>
+          <a:effectRef idx="0">
+            <a:schemeClr val="accent1"/>
+          </a:effectRef>
+          <a:fontRef idx="minor">
+            <a:schemeClr val="lt1"/>
+          </a:fontRef>
+        </p:style>
+        <p:txBody>
+          <a:bodyPr rtlCol="0" anchor="ctr"/>
+          <a:lstStyle/>
+          <a:p>
+            <a:pPr algn="ctr"/>
+            <a:r>
+              <a:rPr kumimoji="1" lang="en-US" altLang="ja-JP" sz="1200" b="1"/>
+              <a:t>ObservableList</a:t>
+            </a:r>
+            <a:endParaRPr kumimoji="1" lang="ja-JP" altLang="en-US" sz="1200"/>
+          </a:p>
+        </p:txBody>
+      </p:sp>
+      <p:cxnSp>
+        <p:nvCxnSpPr>
+          <p:cNvPr id="7" name="直線矢印コネクタ 7">
+            <a:extLst>
+              <a:ext uri="{FF2B5EF4-FFF2-40B4-BE49-F238E27FC236}">
+                <a16:creationId xmlns:a16="http://schemas.microsoft.com/office/drawing/2014/main" id="{726BC5E6-0577-ABC0-8328-11B665CB6821}"/>
+              </a:ext>
+            </a:extLst>
+          </p:cNvPr>
+          <p:cNvCxnSpPr>
+            <a:cxnSpLocks/>
+            <a:stCxn id="3" idx="3"/>
+            <a:endCxn id="15" idx="1"/>
+          </p:cNvCxnSpPr>
+          <p:nvPr/>
+        </p:nvCxnSpPr>
+        <p:spPr>
+          <a:xfrm>
+            <a:off x="3059085" y="2412598"/>
+            <a:ext cx="687975" cy="1164156"/>
+          </a:xfrm>
+          <a:prstGeom prst="straightConnector1">
+            <a:avLst/>
+          </a:prstGeom>
+          <a:ln w="38100">
+            <a:headEnd type="none"/>
+            <a:tailEnd type="triangle"/>
+          </a:ln>
+        </p:spPr>
+        <p:style>
+          <a:lnRef idx="1">
+            <a:schemeClr val="accent1"/>
+          </a:lnRef>
+          <a:fillRef idx="0">
+            <a:schemeClr val="accent1"/>
+          </a:fillRef>
+          <a:effectRef idx="0">
+            <a:schemeClr val="accent1"/>
+          </a:effectRef>
+          <a:fontRef idx="minor">
+            <a:schemeClr val="tx1"/>
+          </a:fontRef>
+        </p:style>
+      </p:cxnSp>
+      <p:sp>
+        <p:nvSpPr>
+          <p:cNvPr id="12" name="正方形/長方形 11">
+            <a:extLst>
+              <a:ext uri="{FF2B5EF4-FFF2-40B4-BE49-F238E27FC236}">
+                <a16:creationId xmlns:a16="http://schemas.microsoft.com/office/drawing/2014/main" id="{2C5A4A95-9231-7747-757A-1AD545F4F2B7}"/>
+              </a:ext>
+            </a:extLst>
+          </p:cNvPr>
+          <p:cNvSpPr/>
+          <p:nvPr/>
+        </p:nvSpPr>
+        <p:spPr>
+          <a:xfrm>
+            <a:off x="1206135" y="2935226"/>
+            <a:ext cx="1852949" cy="506951"/>
+          </a:xfrm>
+          <a:prstGeom prst="rect">
+            <a:avLst/>
+          </a:prstGeom>
+          <a:solidFill>
+            <a:schemeClr val="accent2"/>
+          </a:solidFill>
+          <a:ln>
+            <a:noFill/>
+          </a:ln>
+        </p:spPr>
+        <p:style>
+          <a:lnRef idx="2">
+            <a:schemeClr val="accent1">
+              <a:shade val="50000"/>
+            </a:schemeClr>
+          </a:lnRef>
+          <a:fillRef idx="1">
+            <a:schemeClr val="accent1"/>
+          </a:fillRef>
+          <a:effectRef idx="0">
+            <a:schemeClr val="accent1"/>
+          </a:effectRef>
+          <a:fontRef idx="minor">
+            <a:schemeClr val="lt1"/>
+          </a:fontRef>
+        </p:style>
+        <p:txBody>
+          <a:bodyPr rtlCol="0" anchor="ctr"/>
+          <a:lstStyle/>
+          <a:p>
+            <a:pPr algn="ctr"/>
+            <a:r>
+              <a:rPr kumimoji="1" lang="en-US" altLang="ja-JP" sz="1200" b="1"/>
+              <a:t>ObservableDictionary</a:t>
+            </a:r>
+            <a:endParaRPr kumimoji="1" lang="ja-JP" altLang="en-US" sz="1200"/>
+          </a:p>
+        </p:txBody>
+      </p:sp>
+      <p:sp>
+        <p:nvSpPr>
+          <p:cNvPr id="13" name="正方形/長方形 12">
+            <a:extLst>
+              <a:ext uri="{FF2B5EF4-FFF2-40B4-BE49-F238E27FC236}">
+                <a16:creationId xmlns:a16="http://schemas.microsoft.com/office/drawing/2014/main" id="{CAC7A695-20C5-DBCB-7B3A-09CFE4B99345}"/>
+              </a:ext>
+            </a:extLst>
+          </p:cNvPr>
+          <p:cNvSpPr/>
+          <p:nvPr/>
+        </p:nvSpPr>
+        <p:spPr>
+          <a:xfrm>
+            <a:off x="1206134" y="3711330"/>
+            <a:ext cx="1852949" cy="506951"/>
+          </a:xfrm>
+          <a:prstGeom prst="rect">
+            <a:avLst/>
+          </a:prstGeom>
+          <a:solidFill>
+            <a:schemeClr val="accent2"/>
+          </a:solidFill>
+          <a:ln>
+            <a:noFill/>
+          </a:ln>
+        </p:spPr>
+        <p:style>
+          <a:lnRef idx="2">
+            <a:schemeClr val="accent1">
+              <a:shade val="50000"/>
+            </a:schemeClr>
+          </a:lnRef>
+          <a:fillRef idx="1">
+            <a:schemeClr val="accent1"/>
+          </a:fillRef>
+          <a:effectRef idx="0">
+            <a:schemeClr val="accent1"/>
+          </a:effectRef>
+          <a:fontRef idx="minor">
+            <a:schemeClr val="lt1"/>
+          </a:fontRef>
+        </p:style>
+        <p:txBody>
+          <a:bodyPr rtlCol="0" anchor="ctr"/>
+          <a:lstStyle/>
+          <a:p>
+            <a:pPr algn="ctr"/>
+            <a:r>
+              <a:rPr kumimoji="1" lang="en-US" altLang="ja-JP" sz="1200" b="1"/>
+              <a:t>ObservableQueue</a:t>
+            </a:r>
+            <a:endParaRPr kumimoji="1" lang="ja-JP" altLang="en-US" sz="1200"/>
+          </a:p>
+        </p:txBody>
+      </p:sp>
+      <p:sp>
+        <p:nvSpPr>
+          <p:cNvPr id="14" name="正方形/長方形 13">
+            <a:extLst>
+              <a:ext uri="{FF2B5EF4-FFF2-40B4-BE49-F238E27FC236}">
+                <a16:creationId xmlns:a16="http://schemas.microsoft.com/office/drawing/2014/main" id="{A7F9E300-FFC0-FAD6-2873-D612D22D2839}"/>
+              </a:ext>
+            </a:extLst>
+          </p:cNvPr>
+          <p:cNvSpPr/>
+          <p:nvPr/>
+        </p:nvSpPr>
+        <p:spPr>
+          <a:xfrm>
+            <a:off x="1206134" y="4487434"/>
+            <a:ext cx="1852949" cy="506951"/>
+          </a:xfrm>
+          <a:prstGeom prst="rect">
+            <a:avLst/>
+          </a:prstGeom>
+          <a:solidFill>
+            <a:schemeClr val="accent2"/>
+          </a:solidFill>
+          <a:ln>
+            <a:noFill/>
+          </a:ln>
+        </p:spPr>
+        <p:style>
+          <a:lnRef idx="2">
+            <a:schemeClr val="accent1">
+              <a:shade val="50000"/>
+            </a:schemeClr>
+          </a:lnRef>
+          <a:fillRef idx="1">
+            <a:schemeClr val="accent1"/>
+          </a:fillRef>
+          <a:effectRef idx="0">
+            <a:schemeClr val="accent1"/>
+          </a:effectRef>
+          <a:fontRef idx="minor">
+            <a:schemeClr val="lt1"/>
+          </a:fontRef>
+        </p:style>
+        <p:txBody>
+          <a:bodyPr rtlCol="0" anchor="ctr"/>
+          <a:lstStyle/>
+          <a:p>
+            <a:pPr algn="ctr"/>
+            <a:r>
+              <a:rPr kumimoji="1" lang="en-US" altLang="ja-JP" sz="1200" b="1"/>
+              <a:t>ObservableStack</a:t>
+            </a:r>
+            <a:endParaRPr kumimoji="1" lang="ja-JP" altLang="en-US" sz="1200"/>
+          </a:p>
+        </p:txBody>
+      </p:sp>
+      <p:sp>
+        <p:nvSpPr>
+          <p:cNvPr id="15" name="正方形/長方形 14">
+            <a:extLst>
+              <a:ext uri="{FF2B5EF4-FFF2-40B4-BE49-F238E27FC236}">
+                <a16:creationId xmlns:a16="http://schemas.microsoft.com/office/drawing/2014/main" id="{86982972-6E2F-2272-483A-B3E6F64F5315}"/>
+              </a:ext>
+            </a:extLst>
+          </p:cNvPr>
+          <p:cNvSpPr/>
+          <p:nvPr/>
+        </p:nvSpPr>
+        <p:spPr>
+          <a:xfrm>
+            <a:off x="3747060" y="3323278"/>
+            <a:ext cx="1729047" cy="506951"/>
+          </a:xfrm>
+          <a:prstGeom prst="rect">
+            <a:avLst/>
+          </a:prstGeom>
+          <a:solidFill>
+            <a:schemeClr val="accent2"/>
+          </a:solidFill>
+          <a:ln>
+            <a:noFill/>
+          </a:ln>
+        </p:spPr>
+        <p:style>
+          <a:lnRef idx="2">
+            <a:schemeClr val="accent1">
+              <a:shade val="50000"/>
+            </a:schemeClr>
+          </a:lnRef>
+          <a:fillRef idx="1">
+            <a:schemeClr val="accent1"/>
+          </a:fillRef>
+          <a:effectRef idx="0">
+            <a:schemeClr val="accent1"/>
+          </a:effectRef>
+          <a:fontRef idx="minor">
+            <a:schemeClr val="lt1"/>
+          </a:fontRef>
+        </p:style>
+        <p:txBody>
+          <a:bodyPr rtlCol="0" anchor="ctr"/>
+          <a:lstStyle/>
+          <a:p>
+            <a:pPr algn="ctr"/>
+            <a:r>
+              <a:rPr kumimoji="1" lang="en-US" altLang="ja-JP" sz="1200" b="1"/>
+              <a:t>ISynchronizedView</a:t>
+            </a:r>
+            <a:endParaRPr kumimoji="1" lang="ja-JP" altLang="en-US" sz="1200"/>
+          </a:p>
+        </p:txBody>
+      </p:sp>
+      <p:sp>
+        <p:nvSpPr>
+          <p:cNvPr id="16" name="正方形/長方形 15">
+            <a:extLst>
+              <a:ext uri="{FF2B5EF4-FFF2-40B4-BE49-F238E27FC236}">
+                <a16:creationId xmlns:a16="http://schemas.microsoft.com/office/drawing/2014/main" id="{3A47112C-5A2F-0533-F4F8-491B325D41B7}"/>
+              </a:ext>
+            </a:extLst>
+          </p:cNvPr>
+          <p:cNvSpPr/>
+          <p:nvPr/>
+        </p:nvSpPr>
+        <p:spPr>
+          <a:xfrm>
+            <a:off x="6047703" y="2663429"/>
+            <a:ext cx="2129154" cy="506951"/>
+          </a:xfrm>
+          <a:prstGeom prst="rect">
+            <a:avLst/>
+          </a:prstGeom>
+          <a:solidFill>
+            <a:schemeClr val="accent2"/>
+          </a:solidFill>
+          <a:ln>
+            <a:noFill/>
+          </a:ln>
+        </p:spPr>
+        <p:style>
+          <a:lnRef idx="2">
+            <a:schemeClr val="accent1">
+              <a:shade val="50000"/>
+            </a:schemeClr>
+          </a:lnRef>
+          <a:fillRef idx="1">
+            <a:schemeClr val="accent1"/>
+          </a:fillRef>
+          <a:effectRef idx="0">
+            <a:schemeClr val="accent1"/>
+          </a:effectRef>
+          <a:fontRef idx="minor">
+            <a:schemeClr val="lt1"/>
+          </a:fontRef>
+        </p:style>
+        <p:txBody>
+          <a:bodyPr rtlCol="0" anchor="ctr"/>
+          <a:lstStyle/>
+          <a:p>
+            <a:pPr algn="ctr"/>
+            <a:r>
+              <a:rPr kumimoji="1" lang="en-US" altLang="ja-JP" sz="1200" b="1"/>
+              <a:t>SynchronizedViewList</a:t>
+            </a:r>
+            <a:endParaRPr kumimoji="1" lang="ja-JP" altLang="en-US" sz="1200"/>
+          </a:p>
+        </p:txBody>
+      </p:sp>
+      <p:sp>
+        <p:nvSpPr>
+          <p:cNvPr id="17" name="正方形/長方形 16">
+            <a:extLst>
+              <a:ext uri="{FF2B5EF4-FFF2-40B4-BE49-F238E27FC236}">
+                <a16:creationId xmlns:a16="http://schemas.microsoft.com/office/drawing/2014/main" id="{A6B33CB8-12BF-7EC0-5B3A-D55828E4B005}"/>
+              </a:ext>
+            </a:extLst>
+          </p:cNvPr>
+          <p:cNvSpPr/>
+          <p:nvPr/>
+        </p:nvSpPr>
+        <p:spPr>
+          <a:xfrm>
+            <a:off x="6047703" y="4016380"/>
+            <a:ext cx="2129154" cy="506951"/>
+          </a:xfrm>
+          <a:prstGeom prst="rect">
+            <a:avLst/>
+          </a:prstGeom>
+          <a:solidFill>
+            <a:schemeClr val="accent2"/>
+          </a:solidFill>
+          <a:ln>
+            <a:noFill/>
+          </a:ln>
+        </p:spPr>
+        <p:style>
+          <a:lnRef idx="2">
+            <a:schemeClr val="accent1">
+              <a:shade val="50000"/>
+            </a:schemeClr>
+          </a:lnRef>
+          <a:fillRef idx="1">
+            <a:schemeClr val="accent1"/>
+          </a:fillRef>
+          <a:effectRef idx="0">
+            <a:schemeClr val="accent1"/>
+          </a:effectRef>
+          <a:fontRef idx="minor">
+            <a:schemeClr val="lt1"/>
+          </a:fontRef>
+        </p:style>
+        <p:txBody>
+          <a:bodyPr rtlCol="0" anchor="ctr"/>
+          <a:lstStyle/>
+          <a:p>
+            <a:pPr algn="ctr"/>
+            <a:r>
+              <a:rPr kumimoji="1" lang="en-US" altLang="ja-JP" sz="1200" b="1"/>
+              <a:t>NotifyCollectionChangedSynchronizedViewList</a:t>
+            </a:r>
+            <a:endParaRPr kumimoji="1" lang="ja-JP" altLang="en-US" sz="1200"/>
+          </a:p>
+        </p:txBody>
+      </p:sp>
+      <p:cxnSp>
+        <p:nvCxnSpPr>
+          <p:cNvPr id="22" name="直線矢印コネクタ 7">
+            <a:extLst>
+              <a:ext uri="{FF2B5EF4-FFF2-40B4-BE49-F238E27FC236}">
+                <a16:creationId xmlns:a16="http://schemas.microsoft.com/office/drawing/2014/main" id="{1432186E-19A8-DE8B-D69E-FACF6E6CD542}"/>
+              </a:ext>
+            </a:extLst>
+          </p:cNvPr>
+          <p:cNvCxnSpPr>
+            <a:cxnSpLocks/>
+            <a:stCxn id="12" idx="3"/>
+            <a:endCxn id="15" idx="1"/>
+          </p:cNvCxnSpPr>
+          <p:nvPr/>
+        </p:nvCxnSpPr>
+        <p:spPr>
+          <a:xfrm>
+            <a:off x="3059084" y="3188702"/>
+            <a:ext cx="687976" cy="388052"/>
+          </a:xfrm>
+          <a:prstGeom prst="straightConnector1">
+            <a:avLst/>
+          </a:prstGeom>
+          <a:ln w="38100">
+            <a:headEnd type="none"/>
+            <a:tailEnd type="triangle"/>
+          </a:ln>
+        </p:spPr>
+        <p:style>
+          <a:lnRef idx="1">
+            <a:schemeClr val="accent1"/>
+          </a:lnRef>
+          <a:fillRef idx="0">
+            <a:schemeClr val="accent1"/>
+          </a:fillRef>
+          <a:effectRef idx="0">
+            <a:schemeClr val="accent1"/>
+          </a:effectRef>
+          <a:fontRef idx="minor">
+            <a:schemeClr val="tx1"/>
+          </a:fontRef>
+        </p:style>
+      </p:cxnSp>
+      <p:cxnSp>
+        <p:nvCxnSpPr>
+          <p:cNvPr id="25" name="直線矢印コネクタ 7">
+            <a:extLst>
+              <a:ext uri="{FF2B5EF4-FFF2-40B4-BE49-F238E27FC236}">
+                <a16:creationId xmlns:a16="http://schemas.microsoft.com/office/drawing/2014/main" id="{4753F2A6-CC81-F301-D87B-E208176B7E0F}"/>
+              </a:ext>
+            </a:extLst>
+          </p:cNvPr>
+          <p:cNvCxnSpPr>
+            <a:cxnSpLocks/>
+            <a:stCxn id="13" idx="3"/>
+            <a:endCxn id="15" idx="1"/>
+          </p:cNvCxnSpPr>
+          <p:nvPr/>
+        </p:nvCxnSpPr>
+        <p:spPr>
+          <a:xfrm flipV="1">
+            <a:off x="3059083" y="3576754"/>
+            <a:ext cx="687977" cy="388052"/>
+          </a:xfrm>
+          <a:prstGeom prst="straightConnector1">
+            <a:avLst/>
+          </a:prstGeom>
+          <a:ln w="38100">
+            <a:headEnd type="none"/>
+            <a:tailEnd type="triangle"/>
+          </a:ln>
+        </p:spPr>
+        <p:style>
+          <a:lnRef idx="1">
+            <a:schemeClr val="accent1"/>
+          </a:lnRef>
+          <a:fillRef idx="0">
+            <a:schemeClr val="accent1"/>
+          </a:fillRef>
+          <a:effectRef idx="0">
+            <a:schemeClr val="accent1"/>
+          </a:effectRef>
+          <a:fontRef idx="minor">
+            <a:schemeClr val="tx1"/>
+          </a:fontRef>
+        </p:style>
+      </p:cxnSp>
+      <p:cxnSp>
+        <p:nvCxnSpPr>
+          <p:cNvPr id="28" name="直線矢印コネクタ 7">
+            <a:extLst>
+              <a:ext uri="{FF2B5EF4-FFF2-40B4-BE49-F238E27FC236}">
+                <a16:creationId xmlns:a16="http://schemas.microsoft.com/office/drawing/2014/main" id="{1AE87119-2811-F72F-0FD4-87C390E3895A}"/>
+              </a:ext>
+            </a:extLst>
+          </p:cNvPr>
+          <p:cNvCxnSpPr>
+            <a:cxnSpLocks/>
+            <a:stCxn id="14" idx="3"/>
+            <a:endCxn id="15" idx="1"/>
+          </p:cNvCxnSpPr>
+          <p:nvPr/>
+        </p:nvCxnSpPr>
+        <p:spPr>
+          <a:xfrm flipV="1">
+            <a:off x="3059083" y="3576754"/>
+            <a:ext cx="687977" cy="1164156"/>
+          </a:xfrm>
+          <a:prstGeom prst="straightConnector1">
+            <a:avLst/>
+          </a:prstGeom>
+          <a:ln w="38100">
+            <a:headEnd type="none"/>
+            <a:tailEnd type="triangle"/>
+          </a:ln>
+        </p:spPr>
+        <p:style>
+          <a:lnRef idx="1">
+            <a:schemeClr val="accent1"/>
+          </a:lnRef>
+          <a:fillRef idx="0">
+            <a:schemeClr val="accent1"/>
+          </a:fillRef>
+          <a:effectRef idx="0">
+            <a:schemeClr val="accent1"/>
+          </a:effectRef>
+          <a:fontRef idx="minor">
+            <a:schemeClr val="tx1"/>
+          </a:fontRef>
+        </p:style>
+      </p:cxnSp>
+      <p:cxnSp>
+        <p:nvCxnSpPr>
+          <p:cNvPr id="37" name="直線矢印コネクタ 7">
+            <a:extLst>
+              <a:ext uri="{FF2B5EF4-FFF2-40B4-BE49-F238E27FC236}">
+                <a16:creationId xmlns:a16="http://schemas.microsoft.com/office/drawing/2014/main" id="{7A2F8A4B-749F-9ACE-3C7A-FC5B47F04FD0}"/>
+              </a:ext>
+            </a:extLst>
+          </p:cNvPr>
+          <p:cNvCxnSpPr>
+            <a:cxnSpLocks/>
+            <a:stCxn id="15" idx="3"/>
+            <a:endCxn id="16" idx="1"/>
+          </p:cNvCxnSpPr>
+          <p:nvPr/>
+        </p:nvCxnSpPr>
+        <p:spPr>
+          <a:xfrm flipV="1">
+            <a:off x="5476107" y="2916905"/>
+            <a:ext cx="571596" cy="659849"/>
+          </a:xfrm>
+          <a:prstGeom prst="straightConnector1">
+            <a:avLst/>
+          </a:prstGeom>
+          <a:ln w="38100">
+            <a:headEnd type="none"/>
+            <a:tailEnd type="triangle"/>
+          </a:ln>
+        </p:spPr>
+        <p:style>
+          <a:lnRef idx="1">
+            <a:schemeClr val="accent1"/>
+          </a:lnRef>
+          <a:fillRef idx="0">
+            <a:schemeClr val="accent1"/>
+          </a:fillRef>
+          <a:effectRef idx="0">
+            <a:schemeClr val="accent1"/>
+          </a:effectRef>
+          <a:fontRef idx="minor">
+            <a:schemeClr val="tx1"/>
+          </a:fontRef>
+        </p:style>
+      </p:cxnSp>
+      <p:cxnSp>
+        <p:nvCxnSpPr>
+          <p:cNvPr id="40" name="直線矢印コネクタ 7">
+            <a:extLst>
+              <a:ext uri="{FF2B5EF4-FFF2-40B4-BE49-F238E27FC236}">
+                <a16:creationId xmlns:a16="http://schemas.microsoft.com/office/drawing/2014/main" id="{69266F91-4DF0-E4F9-007B-54DA08233875}"/>
+              </a:ext>
+            </a:extLst>
+          </p:cNvPr>
+          <p:cNvCxnSpPr>
+            <a:cxnSpLocks/>
+            <a:stCxn id="15" idx="3"/>
+            <a:endCxn id="17" idx="1"/>
+          </p:cNvCxnSpPr>
+          <p:nvPr/>
+        </p:nvCxnSpPr>
+        <p:spPr>
+          <a:xfrm>
+            <a:off x="5476107" y="3576754"/>
+            <a:ext cx="571596" cy="693102"/>
+          </a:xfrm>
+          <a:prstGeom prst="straightConnector1">
+            <a:avLst/>
+          </a:prstGeom>
+          <a:ln w="38100">
+            <a:headEnd type="none"/>
+            <a:tailEnd type="triangle"/>
+          </a:ln>
+        </p:spPr>
+        <p:style>
+          <a:lnRef idx="1">
+            <a:schemeClr val="accent1"/>
+          </a:lnRef>
+          <a:fillRef idx="0">
+            <a:schemeClr val="accent1"/>
+          </a:fillRef>
+          <a:effectRef idx="0">
+            <a:schemeClr val="accent1"/>
+          </a:effectRef>
+          <a:fontRef idx="minor">
+            <a:schemeClr val="tx1"/>
+          </a:fontRef>
+        </p:style>
+      </p:cxnSp>
+      <p:cxnSp>
+        <p:nvCxnSpPr>
+          <p:cNvPr id="43" name="直線矢印コネクタ 7">
+            <a:extLst>
+              <a:ext uri="{FF2B5EF4-FFF2-40B4-BE49-F238E27FC236}">
+                <a16:creationId xmlns:a16="http://schemas.microsoft.com/office/drawing/2014/main" id="{7A84FBE7-4CED-4AA7-B6F7-290C0E953AC9}"/>
+              </a:ext>
+            </a:extLst>
+          </p:cNvPr>
+          <p:cNvCxnSpPr>
+            <a:cxnSpLocks/>
+          </p:cNvCxnSpPr>
+          <p:nvPr/>
+        </p:nvCxnSpPr>
+        <p:spPr>
+          <a:xfrm flipV="1">
+            <a:off x="4553394" y="3830229"/>
+            <a:ext cx="0" cy="611142"/>
+          </a:xfrm>
+          <a:prstGeom prst="straightConnector1">
+            <a:avLst/>
+          </a:prstGeom>
+          <a:ln w="38100">
+            <a:solidFill>
+              <a:schemeClr val="tx1">
+                <a:lumMod val="65000"/>
+                <a:lumOff val="35000"/>
+              </a:schemeClr>
+            </a:solidFill>
+            <a:headEnd type="none"/>
+            <a:tailEnd type="triangle"/>
+          </a:ln>
+        </p:spPr>
+        <p:style>
+          <a:lnRef idx="1">
+            <a:schemeClr val="accent1"/>
+          </a:lnRef>
+          <a:fillRef idx="0">
+            <a:schemeClr val="accent1"/>
+          </a:fillRef>
+          <a:effectRef idx="0">
+            <a:schemeClr val="accent1"/>
+          </a:effectRef>
+          <a:fontRef idx="minor">
+            <a:schemeClr val="tx1"/>
+          </a:fontRef>
+        </p:style>
+      </p:cxnSp>
+      <p:sp>
+        <p:nvSpPr>
+          <p:cNvPr id="46" name="テキスト ボックス 45">
+            <a:extLst>
+              <a:ext uri="{FF2B5EF4-FFF2-40B4-BE49-F238E27FC236}">
+                <a16:creationId xmlns:a16="http://schemas.microsoft.com/office/drawing/2014/main" id="{EA701DFB-D68A-84A3-B5C3-318F9E8C82DA}"/>
+              </a:ext>
+            </a:extLst>
+          </p:cNvPr>
+          <p:cNvSpPr txBox="1"/>
+          <p:nvPr/>
+        </p:nvSpPr>
+        <p:spPr>
+          <a:xfrm>
+            <a:off x="4018632" y="4463553"/>
+            <a:ext cx="1069524" cy="276999"/>
+          </a:xfrm>
+          <a:prstGeom prst="rect">
+            <a:avLst/>
+          </a:prstGeom>
+          <a:noFill/>
+        </p:spPr>
+        <p:txBody>
+          <a:bodyPr wrap="none" rtlCol="0">
+            <a:spAutoFit/>
+          </a:bodyPr>
+          <a:lstStyle/>
+          <a:p>
+            <a:r>
+              <a:rPr kumimoji="1" lang="en-US" altLang="ja-JP" sz="1200" b="1"/>
+              <a:t>AttachFilter</a:t>
+            </a:r>
+            <a:endParaRPr kumimoji="1" lang="ja-JP" altLang="en-US" sz="1200" b="1"/>
+          </a:p>
+        </p:txBody>
+      </p:sp>
+      <p:cxnSp>
+        <p:nvCxnSpPr>
+          <p:cNvPr id="47" name="直線矢印コネクタ 7">
+            <a:extLst>
+              <a:ext uri="{FF2B5EF4-FFF2-40B4-BE49-F238E27FC236}">
+                <a16:creationId xmlns:a16="http://schemas.microsoft.com/office/drawing/2014/main" id="{9BB76BE9-A5CF-607F-3502-A2DD0E6119DB}"/>
+              </a:ext>
+            </a:extLst>
+          </p:cNvPr>
+          <p:cNvCxnSpPr>
+            <a:cxnSpLocks/>
+          </p:cNvCxnSpPr>
+          <p:nvPr/>
+        </p:nvCxnSpPr>
+        <p:spPr>
+          <a:xfrm>
+            <a:off x="5309174" y="2264229"/>
+            <a:ext cx="0" cy="502759"/>
+          </a:xfrm>
+          <a:prstGeom prst="straightConnector1">
+            <a:avLst/>
+          </a:prstGeom>
+          <a:ln w="38100">
+            <a:solidFill>
+              <a:schemeClr val="tx1">
+                <a:lumMod val="65000"/>
+                <a:lumOff val="35000"/>
+              </a:schemeClr>
+            </a:solidFill>
+            <a:headEnd type="none"/>
+            <a:tailEnd type="triangle"/>
+          </a:ln>
+        </p:spPr>
+        <p:style>
+          <a:lnRef idx="1">
+            <a:schemeClr val="accent1"/>
+          </a:lnRef>
+          <a:fillRef idx="0">
+            <a:schemeClr val="accent1"/>
+          </a:fillRef>
+          <a:effectRef idx="0">
+            <a:schemeClr val="accent1"/>
+          </a:effectRef>
+          <a:fontRef idx="minor">
+            <a:schemeClr val="tx1"/>
+          </a:fontRef>
+        </p:style>
+      </p:cxnSp>
+      <p:sp>
+        <p:nvSpPr>
+          <p:cNvPr id="49" name="テキスト ボックス 48">
+            <a:extLst>
+              <a:ext uri="{FF2B5EF4-FFF2-40B4-BE49-F238E27FC236}">
+                <a16:creationId xmlns:a16="http://schemas.microsoft.com/office/drawing/2014/main" id="{CA8216EB-07C3-9243-D3E7-7DE58B445679}"/>
+              </a:ext>
+            </a:extLst>
+          </p:cNvPr>
+          <p:cNvSpPr txBox="1"/>
+          <p:nvPr/>
+        </p:nvSpPr>
+        <p:spPr>
+          <a:xfrm>
+            <a:off x="4046623" y="1968909"/>
+            <a:ext cx="2618024" cy="276999"/>
+          </a:xfrm>
+          <a:prstGeom prst="rect">
+            <a:avLst/>
+          </a:prstGeom>
+          <a:noFill/>
+        </p:spPr>
+        <p:txBody>
+          <a:bodyPr wrap="none" rtlCol="0">
+            <a:spAutoFit/>
+          </a:bodyPr>
+          <a:lstStyle/>
+          <a:p>
+            <a:r>
+              <a:rPr kumimoji="1" lang="en-US" altLang="ja-JP" sz="1200" b="1"/>
+              <a:t>Optimize pass for non-filter view</a:t>
+            </a:r>
+            <a:endParaRPr kumimoji="1" lang="ja-JP" altLang="en-US" sz="1200" b="1"/>
+          </a:p>
+        </p:txBody>
+      </p:sp>
+    </p:spTree>
+    <p:extLst>
+      <p:ext uri="{BB962C8B-B14F-4D97-AF65-F5344CB8AC3E}">
+        <p14:creationId xmlns:p14="http://schemas.microsoft.com/office/powerpoint/2010/main" val="2894229866"/>
+      </p:ext>
+    </p:extLst>
+  </p:cSld>
+  <p:clrMapOvr>
+    <a:masterClrMapping/>
+  </p:clrMapOvr>
+</p:sld>
+</file>
+
 <file path=ppt/theme/theme1.xml><?xml version="1.0" encoding="utf-8"?>
 <a:theme xmlns:a="http://schemas.openxmlformats.org/drawingml/2006/main" name="Office テーマ">
   <a:themeElements>

--- a/docs/assets.pptx
+++ b/docs/assets.pptx
@@ -4421,7 +4421,7 @@
             <a:pPr algn="ctr"/>
             <a:r>
               <a:rPr kumimoji="1" lang="en-US" altLang="ja-JP" sz="1200" b="1"/>
-              <a:t>SynchronizedViewList</a:t>
+              <a:t>ISynchronizedViewList</a:t>
             </a:r>
             <a:endParaRPr kumimoji="1" lang="ja-JP" altLang="en-US" sz="1200"/>
           </a:p>
@@ -4477,7 +4477,7 @@
             <a:pPr algn="ctr"/>
             <a:r>
               <a:rPr kumimoji="1" lang="en-US" altLang="ja-JP" sz="1200" b="1"/>
-              <a:t>NotifyCollectionChangedSynchronizedViewList</a:t>
+              <a:t>INotifyCollectionChangedSynchronizedViewList</a:t>
             </a:r>
             <a:endParaRPr kumimoji="1" lang="ja-JP" altLang="en-US" sz="1200"/>
           </a:p>
